--- a/Word Scramble App - CS6300 Software Development Process.pptx
+++ b/Word Scramble App - CS6300 Software Development Process.pptx
@@ -5,14 +5,15 @@
     <p:sldMasterId id="2147483648" r:id="rId1"/>
   </p:sldMasterIdLst>
   <p:notesMasterIdLst>
-    <p:notesMasterId r:id="rId7"/>
+    <p:notesMasterId r:id="rId8"/>
   </p:notesMasterIdLst>
   <p:sldIdLst>
     <p:sldId id="256" r:id="rId2"/>
     <p:sldId id="257" r:id="rId3"/>
-    <p:sldId id="259" r:id="rId4"/>
-    <p:sldId id="258" r:id="rId5"/>
-    <p:sldId id="260" r:id="rId6"/>
+    <p:sldId id="261" r:id="rId4"/>
+    <p:sldId id="263" r:id="rId5"/>
+    <p:sldId id="258" r:id="rId6"/>
+    <p:sldId id="264" r:id="rId7"/>
   </p:sldIdLst>
   <p:sldSz cx="9144000" cy="5143500" type="screen16x9"/>
   <p:notesSz cx="6858000" cy="9144000"/>
@@ -212,7 +213,7 @@
           <a:p>
             <a:fld id="{15F79F4D-D05F-4669-8060-C136A87B8AEE}" type="datetimeFigureOut">
               <a:rPr lang="en-US" smtClean="0"/>
-              <a:t>7/29/2018</a:t>
+              <a:t>8/4/2018</a:t>
             </a:fld>
             <a:endParaRPr lang="en-US"/>
           </a:p>
@@ -479,90 +480,6 @@
 </p:notesMaster>
 </file>
 
-<file path=ppt/notesSlides/notesSlide1.xml><?xml version="1.0" encoding="utf-8"?>
-<p:notes xmlns:a="http://schemas.openxmlformats.org/drawingml/2006/main" xmlns:r="http://schemas.openxmlformats.org/officeDocument/2006/relationships" xmlns:p="http://schemas.openxmlformats.org/presentationml/2006/main">
-  <p:cSld>
-    <p:spTree>
-      <p:nvGrpSpPr>
-        <p:cNvPr id="1" name=""/>
-        <p:cNvGrpSpPr/>
-        <p:nvPr/>
-      </p:nvGrpSpPr>
-      <p:grpSpPr>
-        <a:xfrm>
-          <a:off x="0" y="0"/>
-          <a:ext cx="0" cy="0"/>
-          <a:chOff x="0" y="0"/>
-          <a:chExt cx="0" cy="0"/>
-        </a:xfrm>
-      </p:grpSpPr>
-      <p:sp>
-        <p:nvSpPr>
-          <p:cNvPr id="2" name="Slide Image Placeholder 1"/>
-          <p:cNvSpPr>
-            <a:spLocks noGrp="1" noRot="1" noChangeAspect="1"/>
-          </p:cNvSpPr>
-          <p:nvPr>
-            <p:ph type="sldImg"/>
-          </p:nvPr>
-        </p:nvSpPr>
-        <p:spPr/>
-      </p:sp>
-      <p:sp>
-        <p:nvSpPr>
-          <p:cNvPr id="3" name="Notes Placeholder 2"/>
-          <p:cNvSpPr>
-            <a:spLocks noGrp="1"/>
-          </p:cNvSpPr>
-          <p:nvPr>
-            <p:ph type="body" idx="1"/>
-          </p:nvPr>
-        </p:nvSpPr>
-        <p:spPr/>
-        <p:txBody>
-          <a:bodyPr/>
-          <a:lstStyle/>
-          <a:p>
-            <a:endParaRPr lang="en-US"/>
-          </a:p>
-        </p:txBody>
-      </p:sp>
-      <p:sp>
-        <p:nvSpPr>
-          <p:cNvPr id="4" name="Slide Number Placeholder 3"/>
-          <p:cNvSpPr>
-            <a:spLocks noGrp="1"/>
-          </p:cNvSpPr>
-          <p:nvPr>
-            <p:ph type="sldNum" sz="quarter" idx="10"/>
-          </p:nvPr>
-        </p:nvSpPr>
-        <p:spPr/>
-        <p:txBody>
-          <a:bodyPr/>
-          <a:lstStyle/>
-          <a:p>
-            <a:fld id="{87350B06-B074-48FC-8CFD-53D2CD8FB95F}" type="slidenum">
-              <a:rPr lang="en-US" smtClean="0"/>
-              <a:t>5</a:t>
-            </a:fld>
-            <a:endParaRPr lang="en-US"/>
-          </a:p>
-        </p:txBody>
-      </p:sp>
-    </p:spTree>
-    <p:extLst>
-      <p:ext uri="{BB962C8B-B14F-4D97-AF65-F5344CB8AC3E}">
-        <p14:creationId xmlns:p14="http://schemas.microsoft.com/office/powerpoint/2010/main" val="2341401110"/>
-      </p:ext>
-    </p:extLst>
-  </p:cSld>
-  <p:clrMapOvr>
-    <a:masterClrMapping/>
-  </p:clrMapOvr>
-</p:notes>
-</file>
-
 <file path=ppt/slideLayouts/slideLayout1.xml><?xml version="1.0" encoding="utf-8"?>
 <p:sldLayout xmlns:a="http://schemas.openxmlformats.org/drawingml/2006/main" xmlns:r="http://schemas.openxmlformats.org/officeDocument/2006/relationships" xmlns:p="http://schemas.openxmlformats.org/presentationml/2006/main" type="title" preserve="1">
   <p:cSld name="Title Slide">
@@ -775,7 +692,7 @@
             <a:fld id="{53074F12-AA26-4AC8-9962-C36BB8F32554}" type="datetimeFigureOut">
               <a:rPr lang="en-US" smtClean="0"/>
               <a:pPr/>
-              <a:t>7/29/2018</a:t>
+              <a:t>8/4/2018</a:t>
             </a:fld>
             <a:endParaRPr lang="en-US"/>
           </a:p>
@@ -1029,7 +946,7 @@
             <a:fld id="{53074F12-AA26-4AC8-9962-C36BB8F32554}" type="datetimeFigureOut">
               <a:rPr lang="en-US" smtClean="0"/>
               <a:pPr/>
-              <a:t>7/29/2018</a:t>
+              <a:t>8/4/2018</a:t>
             </a:fld>
             <a:endParaRPr lang="en-US"/>
           </a:p>
@@ -1199,7 +1116,7 @@
             <a:fld id="{53074F12-AA26-4AC8-9962-C36BB8F32554}" type="datetimeFigureOut">
               <a:rPr lang="en-US" smtClean="0"/>
               <a:pPr/>
-              <a:t>7/29/2018</a:t>
+              <a:t>8/4/2018</a:t>
             </a:fld>
             <a:endParaRPr lang="en-US"/>
           </a:p>
@@ -1379,7 +1296,7 @@
             <a:fld id="{53074F12-AA26-4AC8-9962-C36BB8F32554}" type="datetimeFigureOut">
               <a:rPr lang="en-US" smtClean="0"/>
               <a:pPr/>
-              <a:t>7/29/2018</a:t>
+              <a:t>8/4/2018</a:t>
             </a:fld>
             <a:endParaRPr lang="en-US"/>
           </a:p>
@@ -1661,7 +1578,7 @@
             <a:fld id="{53074F12-AA26-4AC8-9962-C36BB8F32554}" type="datetimeFigureOut">
               <a:rPr lang="en-US" smtClean="0"/>
               <a:pPr/>
-              <a:t>7/29/2018</a:t>
+              <a:t>8/4/2018</a:t>
             </a:fld>
             <a:endParaRPr lang="en-US"/>
           </a:p>
@@ -1908,7 +1825,7 @@
             <a:fld id="{53074F12-AA26-4AC8-9962-C36BB8F32554}" type="datetimeFigureOut">
               <a:rPr lang="en-US" smtClean="0"/>
               <a:pPr/>
-              <a:t>7/29/2018</a:t>
+              <a:t>8/4/2018</a:t>
             </a:fld>
             <a:endParaRPr lang="en-US"/>
           </a:p>
@@ -2155,7 +2072,7 @@
             <a:fld id="{53074F12-AA26-4AC8-9962-C36BB8F32554}" type="datetimeFigureOut">
               <a:rPr lang="en-US" smtClean="0"/>
               <a:pPr/>
-              <a:t>7/29/2018</a:t>
+              <a:t>8/4/2018</a:t>
             </a:fld>
             <a:endParaRPr lang="en-US"/>
           </a:p>
@@ -2442,7 +2359,7 @@
             <a:fld id="{53074F12-AA26-4AC8-9962-C36BB8F32554}" type="datetimeFigureOut">
               <a:rPr lang="en-US" smtClean="0"/>
               <a:pPr/>
-              <a:t>7/29/2018</a:t>
+              <a:t>8/4/2018</a:t>
             </a:fld>
             <a:endParaRPr lang="en-US"/>
           </a:p>
@@ -2929,7 +2846,7 @@
             <a:fld id="{53074F12-AA26-4AC8-9962-C36BB8F32554}" type="datetimeFigureOut">
               <a:rPr lang="en-US" smtClean="0"/>
               <a:pPr/>
-              <a:t>7/29/2018</a:t>
+              <a:t>8/4/2018</a:t>
             </a:fld>
             <a:endParaRPr lang="en-US"/>
           </a:p>
@@ -3048,7 +2965,7 @@
             <a:fld id="{53074F12-AA26-4AC8-9962-C36BB8F32554}" type="datetimeFigureOut">
               <a:rPr lang="en-US" smtClean="0"/>
               <a:pPr/>
-              <a:t>7/29/2018</a:t>
+              <a:t>8/4/2018</a:t>
             </a:fld>
             <a:endParaRPr lang="en-US"/>
           </a:p>
@@ -3145,7 +3062,7 @@
             <a:fld id="{53074F12-AA26-4AC8-9962-C36BB8F32554}" type="datetimeFigureOut">
               <a:rPr lang="en-US" smtClean="0"/>
               <a:pPr/>
-              <a:t>7/29/2018</a:t>
+              <a:t>8/4/2018</a:t>
             </a:fld>
             <a:endParaRPr lang="en-US"/>
           </a:p>
@@ -3422,7 +3339,7 @@
             <a:fld id="{53074F12-AA26-4AC8-9962-C36BB8F32554}" type="datetimeFigureOut">
               <a:rPr lang="en-US" smtClean="0"/>
               <a:pPr/>
-              <a:t>7/29/2018</a:t>
+              <a:t>8/4/2018</a:t>
             </a:fld>
             <a:endParaRPr lang="en-US"/>
           </a:p>
@@ -3644,7 +3561,7 @@
             <a:fld id="{53074F12-AA26-4AC8-9962-C36BB8F32554}" type="datetimeFigureOut">
               <a:rPr lang="en-US" smtClean="0"/>
               <a:pPr/>
-              <a:t>7/29/2018</a:t>
+              <a:t>8/4/2018</a:t>
             </a:fld>
             <a:endParaRPr lang="en-US"/>
           </a:p>
@@ -4119,32 +4036,28 @@
           <a:lstStyle/>
           <a:p>
             <a:r>
-              <a:rPr lang="en-US" sz="1200" dirty="0"/>
+              <a:rPr lang="en-US" sz="1600" dirty="0"/>
               <a:t>Georgia Institute of Technology </a:t>
             </a:r>
             <a:br>
-              <a:rPr lang="en-US" sz="1200" dirty="0"/>
+              <a:rPr lang="en-US" sz="1600" dirty="0"/>
             </a:br>
             <a:r>
-              <a:rPr lang="en-US" sz="1200" dirty="0"/>
+              <a:rPr lang="en-US" sz="1600" dirty="0"/>
               <a:t>CS6300 Software Development Process</a:t>
             </a:r>
             <a:br>
-              <a:rPr lang="en-US" sz="1200"/>
+              <a:rPr lang="en-US" sz="1600" dirty="0"/>
             </a:br>
             <a:r>
-              <a:rPr lang="en-US" sz="1200"/>
-              <a:t>Fall </a:t>
-            </a:r>
-            <a:r>
-              <a:rPr lang="en-US" sz="1200" dirty="0"/>
-              <a:t>17</a:t>
+              <a:rPr lang="en-US" sz="1600" dirty="0"/>
+              <a:t>Fall 2017</a:t>
             </a:r>
             <a:br>
-              <a:rPr lang="en-US" sz="1200" dirty="0"/>
+              <a:rPr lang="en-US" sz="1600" dirty="0"/>
             </a:br>
             <a:r>
-              <a:rPr lang="en-US" sz="1200" dirty="0"/>
+              <a:rPr lang="en-US" sz="1600" dirty="0"/>
               <a:t>James Chan</a:t>
             </a:r>
           </a:p>
@@ -4269,10 +4182,9 @@
           <a:lstStyle/>
           <a:p>
             <a:r>
-              <a:rPr lang="en-US"/>
-              <a:t>Slide Title</a:t>
-            </a:r>
-            <a:endParaRPr lang="en-US" dirty="0"/>
+              <a:rPr lang="en-US" dirty="0"/>
+              <a:t>Overview</a:t>
+            </a:r>
           </a:p>
         </p:txBody>
       </p:sp>
@@ -4288,37 +4200,55 @@
         </p:nvSpPr>
         <p:spPr/>
         <p:txBody>
-          <a:bodyPr/>
+          <a:bodyPr>
+            <a:normAutofit/>
+          </a:bodyPr>
           <a:lstStyle/>
           <a:p>
             <a:r>
-              <a:rPr lang="en-US"/>
-              <a:t>Make Effective Presentations</a:t>
-            </a:r>
-          </a:p>
-          <a:p>
-            <a:r>
-              <a:rPr lang="en-US"/>
-              <a:t>Using Awesome Backgrounds</a:t>
-            </a:r>
-          </a:p>
-          <a:p>
-            <a:r>
-              <a:rPr lang="en-US"/>
-              <a:t>Engage your Audience</a:t>
-            </a:r>
-          </a:p>
-          <a:p>
-            <a:r>
-              <a:rPr lang="en-US"/>
-              <a:t>Capture Audience Attention</a:t>
-            </a:r>
-          </a:p>
-          <a:p>
-            <a:endParaRPr lang="en-US"/>
-          </a:p>
-          <a:p>
-            <a:endParaRPr lang="en-US" dirty="0"/>
+              <a:rPr lang="en-US" sz="2000" dirty="0"/>
+              <a:t>Developed a word scramble app as a team using software engineering practices.  The team consists of four graduate students in computer science at Georgia Tech.</a:t>
+            </a:r>
+          </a:p>
+          <a:p>
+            <a:r>
+              <a:rPr lang="en-US" sz="2000" dirty="0"/>
+              <a:t>Contribution by James:</a:t>
+            </a:r>
+          </a:p>
+          <a:p>
+            <a:pPr lvl="1"/>
+            <a:r>
+              <a:rPr lang="en-US" sz="1800" dirty="0"/>
+              <a:t>35% of the back-end code</a:t>
+            </a:r>
+          </a:p>
+          <a:p>
+            <a:pPr lvl="1"/>
+            <a:r>
+              <a:rPr lang="en-US" sz="1800" dirty="0"/>
+              <a:t>65% of the front-end code</a:t>
+            </a:r>
+          </a:p>
+          <a:p>
+            <a:pPr lvl="1"/>
+            <a:r>
+              <a:rPr lang="en-US" sz="1800" dirty="0"/>
+              <a:t>20% of the test cases</a:t>
+            </a:r>
+          </a:p>
+          <a:p>
+            <a:pPr lvl="1"/>
+            <a:r>
+              <a:rPr lang="en-US" sz="1800" dirty="0"/>
+              <a:t>Generation of UI designs</a:t>
+            </a:r>
+          </a:p>
+          <a:p>
+            <a:pPr marL="0" indent="0">
+              <a:buNone/>
+            </a:pPr>
+            <a:endParaRPr lang="en-US" sz="2000" dirty="0"/>
           </a:p>
         </p:txBody>
       </p:sp>
@@ -4354,7 +4284,7 @@
       </p:grpSpPr>
       <p:sp>
         <p:nvSpPr>
-          <p:cNvPr id="4" name="Title 3"/>
+          <p:cNvPr id="2" name="Title 1"/>
           <p:cNvSpPr>
             <a:spLocks noGrp="1"/>
           </p:cNvSpPr>
@@ -4362,7 +4292,12 @@
             <p:ph type="title"/>
           </p:nvPr>
         </p:nvSpPr>
-        <p:spPr/>
+        <p:spPr>
+          <a:xfrm>
+            <a:off x="448965" y="739290"/>
+            <a:ext cx="8246070" cy="610820"/>
+          </a:xfrm>
+        </p:spPr>
         <p:txBody>
           <a:bodyPr>
             <a:normAutofit fontScale="90000"/>
@@ -4371,7 +4306,7 @@
           <a:p>
             <a:r>
               <a:rPr lang="en-US"/>
-              <a:t>Slide Title</a:t>
+              <a:t>Tools Used</a:t>
             </a:r>
             <a:endParaRPr lang="en-US" dirty="0"/>
           </a:p>
@@ -4379,7 +4314,7 @@
       </p:sp>
       <p:sp>
         <p:nvSpPr>
-          <p:cNvPr id="5" name="Content Placeholder 4"/>
+          <p:cNvPr id="3" name="Content Placeholder 2"/>
           <p:cNvSpPr>
             <a:spLocks noGrp="1"/>
           </p:cNvSpPr>
@@ -4387,41 +4322,277 @@
             <p:ph idx="1"/>
           </p:nvPr>
         </p:nvSpPr>
-        <p:spPr/>
-        <p:txBody>
-          <a:bodyPr/>
+        <p:spPr>
+          <a:xfrm>
+            <a:off x="448966" y="1502815"/>
+            <a:ext cx="8246070" cy="3359510"/>
+          </a:xfrm>
+        </p:spPr>
+        <p:txBody>
+          <a:bodyPr>
+            <a:normAutofit/>
+          </a:bodyPr>
           <a:lstStyle/>
           <a:p>
-            <a:r>
-              <a:rPr lang="en-US"/>
-              <a:t>Make Effective Presentations</a:t>
-            </a:r>
-          </a:p>
-          <a:p>
-            <a:r>
-              <a:rPr lang="en-US"/>
-              <a:t>Using Awesome Backgrounds</a:t>
-            </a:r>
-          </a:p>
-          <a:p>
-            <a:r>
-              <a:rPr lang="en-US"/>
-              <a:t>Engage your Audience</a:t>
-            </a:r>
-          </a:p>
-          <a:p>
-            <a:r>
-              <a:rPr lang="en-US"/>
-              <a:t>Capture Audience Attention</a:t>
-            </a:r>
-            <a:endParaRPr lang="en-US" dirty="0"/>
-          </a:p>
-        </p:txBody>
-      </p:sp>
+            <a:pPr lvl="1">
+              <a:buFont typeface="Arial" panose="020B0604020202020204" pitchFamily="34" charset="0"/>
+              <a:buChar char="•"/>
+            </a:pPr>
+            <a:r>
+              <a:rPr lang="en-US" sz="2000" dirty="0"/>
+              <a:t>Google Docs – collaboration, planning, and organization.</a:t>
+            </a:r>
+          </a:p>
+          <a:p>
+            <a:pPr lvl="1">
+              <a:buFont typeface="Arial" panose="020B0604020202020204" pitchFamily="34" charset="0"/>
+              <a:buChar char="•"/>
+            </a:pPr>
+            <a:r>
+              <a:rPr lang="en-US" sz="2000" dirty="0"/>
+              <a:t>Google Hangout – daily meeting.</a:t>
+            </a:r>
+          </a:p>
+          <a:p>
+            <a:pPr lvl="1">
+              <a:buFont typeface="Arial" panose="020B0604020202020204" pitchFamily="34" charset="0"/>
+              <a:buChar char="•"/>
+            </a:pPr>
+            <a:r>
+              <a:rPr lang="en-US" sz="2000" dirty="0" err="1"/>
+              <a:t>Github</a:t>
+            </a:r>
+            <a:r>
+              <a:rPr lang="en-US" sz="2000" dirty="0"/>
+              <a:t> – collaboration and version control.</a:t>
+            </a:r>
+          </a:p>
+          <a:p>
+            <a:pPr lvl="1">
+              <a:buFont typeface="Arial" panose="020B0604020202020204" pitchFamily="34" charset="0"/>
+              <a:buChar char="•"/>
+            </a:pPr>
+            <a:r>
+              <a:rPr lang="en-US" sz="2000" dirty="0" err="1"/>
+              <a:t>Lucidchart</a:t>
+            </a:r>
+            <a:r>
+              <a:rPr lang="en-US" sz="2000" dirty="0"/>
+              <a:t> – UML diagram generation.</a:t>
+            </a:r>
+          </a:p>
+          <a:p>
+            <a:pPr lvl="1">
+              <a:buFont typeface="Arial" panose="020B0604020202020204" pitchFamily="34" charset="0"/>
+              <a:buChar char="•"/>
+            </a:pPr>
+            <a:r>
+              <a:rPr lang="en-US" sz="2000" dirty="0"/>
+              <a:t>Fluid UI – UI design and mockup generation.</a:t>
+            </a:r>
+          </a:p>
+          <a:p>
+            <a:pPr lvl="1">
+              <a:buFont typeface="Arial" panose="020B0604020202020204" pitchFamily="34" charset="0"/>
+              <a:buChar char="•"/>
+            </a:pPr>
+            <a:r>
+              <a:rPr lang="en-US" sz="2000" dirty="0"/>
+              <a:t>Android Studio – development.</a:t>
+            </a:r>
+          </a:p>
+          <a:p>
+            <a:pPr marL="0" indent="0">
+              <a:buNone/>
+            </a:pPr>
+            <a:endParaRPr lang="en-US" sz="4000" dirty="0"/>
+          </a:p>
+        </p:txBody>
+      </p:sp>
+      <p:pic>
+        <p:nvPicPr>
+          <p:cNvPr id="189" name="Picture 188">
+            <a:extLst>
+              <a:ext uri="{FF2B5EF4-FFF2-40B4-BE49-F238E27FC236}">
+                <a16:creationId xmlns:a16="http://schemas.microsoft.com/office/drawing/2014/main" id="{B1373BD1-9F87-4CD4-BA95-A0E3E9527D0C}"/>
+              </a:ext>
+            </a:extLst>
+          </p:cNvPr>
+          <p:cNvPicPr>
+            <a:picLocks noChangeAspect="1"/>
+          </p:cNvPicPr>
+          <p:nvPr/>
+        </p:nvPicPr>
+        <p:blipFill>
+          <a:blip r:embed="rId2"/>
+          <a:stretch>
+            <a:fillRect/>
+          </a:stretch>
+        </p:blipFill>
+        <p:spPr>
+          <a:xfrm>
+            <a:off x="1059785" y="3878417"/>
+            <a:ext cx="954374" cy="914400"/>
+          </a:xfrm>
+          <a:prstGeom prst="rect">
+            <a:avLst/>
+          </a:prstGeom>
+        </p:spPr>
+      </p:pic>
+      <p:pic>
+        <p:nvPicPr>
+          <p:cNvPr id="191" name="Picture 190">
+            <a:extLst>
+              <a:ext uri="{FF2B5EF4-FFF2-40B4-BE49-F238E27FC236}">
+                <a16:creationId xmlns:a16="http://schemas.microsoft.com/office/drawing/2014/main" id="{3B4192CF-76B0-48AF-811A-D0968C47733F}"/>
+              </a:ext>
+            </a:extLst>
+          </p:cNvPr>
+          <p:cNvPicPr>
+            <a:picLocks noChangeAspect="1"/>
+          </p:cNvPicPr>
+          <p:nvPr/>
+        </p:nvPicPr>
+        <p:blipFill>
+          <a:blip r:embed="rId3"/>
+          <a:stretch>
+            <a:fillRect/>
+          </a:stretch>
+        </p:blipFill>
+        <p:spPr>
+          <a:xfrm>
+            <a:off x="2434130" y="3970321"/>
+            <a:ext cx="1298997" cy="914400"/>
+          </a:xfrm>
+          <a:prstGeom prst="rect">
+            <a:avLst/>
+          </a:prstGeom>
+        </p:spPr>
+      </p:pic>
+      <p:pic>
+        <p:nvPicPr>
+          <p:cNvPr id="192" name="Picture 191">
+            <a:extLst>
+              <a:ext uri="{FF2B5EF4-FFF2-40B4-BE49-F238E27FC236}">
+                <a16:creationId xmlns:a16="http://schemas.microsoft.com/office/drawing/2014/main" id="{1A90241F-2F16-4FB2-A8AF-98952F347428}"/>
+              </a:ext>
+            </a:extLst>
+          </p:cNvPr>
+          <p:cNvPicPr>
+            <a:picLocks noChangeAspect="1"/>
+          </p:cNvPicPr>
+          <p:nvPr/>
+        </p:nvPicPr>
+        <p:blipFill>
+          <a:blip r:embed="rId4"/>
+          <a:stretch>
+            <a:fillRect/>
+          </a:stretch>
+        </p:blipFill>
+        <p:spPr>
+          <a:xfrm>
+            <a:off x="4071582" y="3793390"/>
+            <a:ext cx="987920" cy="914400"/>
+          </a:xfrm>
+          <a:prstGeom prst="rect">
+            <a:avLst/>
+          </a:prstGeom>
+        </p:spPr>
+      </p:pic>
+      <p:pic>
+        <p:nvPicPr>
+          <p:cNvPr id="193" name="Picture 192">
+            <a:extLst>
+              <a:ext uri="{FF2B5EF4-FFF2-40B4-BE49-F238E27FC236}">
+                <a16:creationId xmlns:a16="http://schemas.microsoft.com/office/drawing/2014/main" id="{BB4F5EBB-B21B-4B92-B809-06A7DD6C58E6}"/>
+              </a:ext>
+            </a:extLst>
+          </p:cNvPr>
+          <p:cNvPicPr>
+            <a:picLocks noChangeAspect="1"/>
+          </p:cNvPicPr>
+          <p:nvPr/>
+        </p:nvPicPr>
+        <p:blipFill>
+          <a:blip r:embed="rId5"/>
+          <a:stretch>
+            <a:fillRect/>
+          </a:stretch>
+        </p:blipFill>
+        <p:spPr>
+          <a:xfrm>
+            <a:off x="5490681" y="3722467"/>
+            <a:ext cx="1103282" cy="457200"/>
+          </a:xfrm>
+          <a:prstGeom prst="rect">
+            <a:avLst/>
+          </a:prstGeom>
+        </p:spPr>
+      </p:pic>
+      <p:pic>
+        <p:nvPicPr>
+          <p:cNvPr id="194" name="Picture 193">
+            <a:extLst>
+              <a:ext uri="{FF2B5EF4-FFF2-40B4-BE49-F238E27FC236}">
+                <a16:creationId xmlns:a16="http://schemas.microsoft.com/office/drawing/2014/main" id="{9D740391-4ADF-4DA4-ADDC-11A28FB51CC4}"/>
+              </a:ext>
+            </a:extLst>
+          </p:cNvPr>
+          <p:cNvPicPr>
+            <a:picLocks noChangeAspect="1"/>
+          </p:cNvPicPr>
+          <p:nvPr/>
+        </p:nvPicPr>
+        <p:blipFill>
+          <a:blip r:embed="rId6"/>
+          <a:stretch>
+            <a:fillRect/>
+          </a:stretch>
+        </p:blipFill>
+        <p:spPr>
+          <a:xfrm>
+            <a:off x="5365207" y="4399584"/>
+            <a:ext cx="1619919" cy="457200"/>
+          </a:xfrm>
+          <a:prstGeom prst="rect">
+            <a:avLst/>
+          </a:prstGeom>
+        </p:spPr>
+      </p:pic>
+      <p:pic>
+        <p:nvPicPr>
+          <p:cNvPr id="195" name="Picture 194">
+            <a:extLst>
+              <a:ext uri="{FF2B5EF4-FFF2-40B4-BE49-F238E27FC236}">
+                <a16:creationId xmlns:a16="http://schemas.microsoft.com/office/drawing/2014/main" id="{272E9CB4-1230-4D11-A36D-99FE6D8E87B1}"/>
+              </a:ext>
+            </a:extLst>
+          </p:cNvPr>
+          <p:cNvPicPr>
+            <a:picLocks noChangeAspect="1"/>
+          </p:cNvPicPr>
+          <p:nvPr/>
+        </p:nvPicPr>
+        <p:blipFill>
+          <a:blip r:embed="rId7"/>
+          <a:stretch>
+            <a:fillRect/>
+          </a:stretch>
+        </p:blipFill>
+        <p:spPr>
+          <a:xfrm>
+            <a:off x="7245865" y="3764117"/>
+            <a:ext cx="797269" cy="1143000"/>
+          </a:xfrm>
+          <a:prstGeom prst="rect">
+            <a:avLst/>
+          </a:prstGeom>
+        </p:spPr>
+      </p:pic>
     </p:spTree>
     <p:extLst>
       <p:ext uri="{BB962C8B-B14F-4D97-AF65-F5344CB8AC3E}">
-        <p14:creationId xmlns:p14="http://schemas.microsoft.com/office/powerpoint/2010/main" val="1101633878"/>
+        <p14:creationId xmlns:p14="http://schemas.microsoft.com/office/powerpoint/2010/main" val="2682448673"/>
       </p:ext>
     </p:extLst>
   </p:cSld>
@@ -4450,7 +4621,7 @@
       </p:grpSpPr>
       <p:sp>
         <p:nvSpPr>
-          <p:cNvPr id="4" name="Title 3"/>
+          <p:cNvPr id="2" name="Title 1"/>
           <p:cNvSpPr>
             <a:spLocks noGrp="1"/>
           </p:cNvSpPr>
@@ -4458,7 +4629,12 @@
             <p:ph type="title"/>
           </p:nvPr>
         </p:nvSpPr>
-        <p:spPr/>
+        <p:spPr>
+          <a:xfrm>
+            <a:off x="448965" y="739290"/>
+            <a:ext cx="8246070" cy="610820"/>
+          </a:xfrm>
+        </p:spPr>
         <p:txBody>
           <a:bodyPr>
             <a:normAutofit fontScale="90000"/>
@@ -4466,131 +4642,742 @@
           <a:lstStyle/>
           <a:p>
             <a:r>
-              <a:rPr lang="en-US"/>
-              <a:t>Slide Title</a:t>
-            </a:r>
+              <a:rPr lang="en-US" dirty="0"/>
+              <a:t>Project Milestones</a:t>
+            </a:r>
+          </a:p>
+        </p:txBody>
+      </p:sp>
+      <p:sp>
+        <p:nvSpPr>
+          <p:cNvPr id="4" name="TextBox 3">
+            <a:extLst>
+              <a:ext uri="{FF2B5EF4-FFF2-40B4-BE49-F238E27FC236}">
+                <a16:creationId xmlns:a16="http://schemas.microsoft.com/office/drawing/2014/main" id="{2B58F472-5D38-4E7E-B7E3-B5F11EAD2B4A}"/>
+              </a:ext>
+            </a:extLst>
+          </p:cNvPr>
+          <p:cNvSpPr txBox="1"/>
+          <p:nvPr/>
+        </p:nvSpPr>
+        <p:spPr>
+          <a:xfrm>
+            <a:off x="1471325" y="2266340"/>
+            <a:ext cx="1268215" cy="1031051"/>
+          </a:xfrm>
+          <a:prstGeom prst="rect">
+            <a:avLst/>
+          </a:prstGeom>
+        </p:spPr>
+        <p:style>
+          <a:lnRef idx="1">
+            <a:schemeClr val="accent6"/>
+          </a:lnRef>
+          <a:fillRef idx="2">
+            <a:schemeClr val="accent6"/>
+          </a:fillRef>
+          <a:effectRef idx="1">
+            <a:schemeClr val="accent6"/>
+          </a:effectRef>
+          <a:fontRef idx="minor">
+            <a:schemeClr val="dk1"/>
+          </a:fontRef>
+        </p:style>
+        <p:txBody>
+          <a:bodyPr wrap="square" rtlCol="0">
+            <a:spAutoFit/>
+          </a:bodyPr>
+          <a:lstStyle/>
+          <a:p>
+            <a:r>
+              <a:rPr lang="en-US" sz="1400" dirty="0"/>
+              <a:t>Requirement</a:t>
+            </a:r>
+          </a:p>
+          <a:p>
+            <a:r>
+              <a:rPr lang="en-US" sz="1400" dirty="0"/>
+              <a:t>Analysis</a:t>
+            </a:r>
+          </a:p>
+          <a:p>
+            <a:r>
+              <a:rPr lang="en-US" sz="1100" u="sng" dirty="0"/>
+              <a:t>Tools: </a:t>
+            </a:r>
+            <a:br>
+              <a:rPr lang="en-US" sz="1100" u="sng" dirty="0"/>
+            </a:br>
+            <a:r>
+              <a:rPr lang="en-US" sz="1100" dirty="0"/>
+              <a:t>- Google Docs</a:t>
+            </a:r>
+            <a:br>
+              <a:rPr lang="en-US" sz="1100" dirty="0"/>
+            </a:br>
+            <a:r>
+              <a:rPr lang="en-US" sz="1100" dirty="0"/>
+              <a:t>- Google Hangout</a:t>
+            </a:r>
+          </a:p>
+        </p:txBody>
+      </p:sp>
+      <p:sp>
+        <p:nvSpPr>
+          <p:cNvPr id="5" name="TextBox 4">
+            <a:extLst>
+              <a:ext uri="{FF2B5EF4-FFF2-40B4-BE49-F238E27FC236}">
+                <a16:creationId xmlns:a16="http://schemas.microsoft.com/office/drawing/2014/main" id="{5CB64315-C20A-47C7-BF21-733CF4ECE16E}"/>
+              </a:ext>
+            </a:extLst>
+          </p:cNvPr>
+          <p:cNvSpPr txBox="1"/>
+          <p:nvPr/>
+        </p:nvSpPr>
+        <p:spPr>
+          <a:xfrm>
+            <a:off x="2925765" y="2289426"/>
+            <a:ext cx="1832461" cy="984885"/>
+          </a:xfrm>
+          <a:prstGeom prst="rect">
+            <a:avLst/>
+          </a:prstGeom>
+        </p:spPr>
+        <p:style>
+          <a:lnRef idx="1">
+            <a:schemeClr val="accent5"/>
+          </a:lnRef>
+          <a:fillRef idx="2">
+            <a:schemeClr val="accent5"/>
+          </a:fillRef>
+          <a:effectRef idx="1">
+            <a:schemeClr val="accent5"/>
+          </a:effectRef>
+          <a:fontRef idx="minor">
+            <a:schemeClr val="dk1"/>
+          </a:fontRef>
+        </p:style>
+        <p:txBody>
+          <a:bodyPr wrap="square" rtlCol="0">
+            <a:spAutoFit/>
+          </a:bodyPr>
+          <a:lstStyle/>
+          <a:p>
+            <a:r>
+              <a:rPr lang="en-US" sz="1400" dirty="0"/>
+              <a:t>Design/UML Diagram</a:t>
+            </a:r>
+            <a:br>
+              <a:rPr lang="en-US" sz="1400" dirty="0"/>
+            </a:br>
+            <a:r>
+              <a:rPr lang="en-US" sz="1100" u="sng" dirty="0"/>
+              <a:t>Tools: </a:t>
+            </a:r>
+            <a:br>
+              <a:rPr lang="en-US" sz="1100" u="sng" dirty="0"/>
+            </a:br>
+            <a:r>
+              <a:rPr lang="en-US" sz="1100" dirty="0"/>
+              <a:t>- </a:t>
+            </a:r>
+            <a:r>
+              <a:rPr lang="en-US" sz="1100" dirty="0" err="1"/>
+              <a:t>Lucidchart</a:t>
+            </a:r>
+            <a:br>
+              <a:rPr lang="en-US" sz="1100" dirty="0"/>
+            </a:br>
+            <a:r>
+              <a:rPr lang="en-US" sz="1100" dirty="0"/>
+              <a:t>- Fluid UI</a:t>
+            </a:r>
+            <a:br>
+              <a:rPr lang="en-US" sz="1100" dirty="0"/>
+            </a:br>
+            <a:r>
+              <a:rPr lang="en-US" sz="1100" dirty="0"/>
+              <a:t>- Google Hangout</a:t>
+            </a:r>
+          </a:p>
+        </p:txBody>
+      </p:sp>
+      <p:sp>
+        <p:nvSpPr>
+          <p:cNvPr id="6" name="TextBox 5">
+            <a:extLst>
+              <a:ext uri="{FF2B5EF4-FFF2-40B4-BE49-F238E27FC236}">
+                <a16:creationId xmlns:a16="http://schemas.microsoft.com/office/drawing/2014/main" id="{2FCC5CEC-7D4C-428E-8807-D251B27A94C9}"/>
+              </a:ext>
+            </a:extLst>
+          </p:cNvPr>
+          <p:cNvSpPr txBox="1"/>
+          <p:nvPr/>
+        </p:nvSpPr>
+        <p:spPr>
+          <a:xfrm>
+            <a:off x="3618320" y="2900345"/>
+            <a:ext cx="184731" cy="369332"/>
+          </a:xfrm>
+          <a:prstGeom prst="rect">
+            <a:avLst/>
+          </a:prstGeom>
+          <a:noFill/>
+        </p:spPr>
+        <p:txBody>
+          <a:bodyPr wrap="none" rtlCol="0">
+            <a:spAutoFit/>
+          </a:bodyPr>
+          <a:lstStyle/>
+          <a:p>
             <a:endParaRPr lang="en-US" dirty="0"/>
           </a:p>
         </p:txBody>
       </p:sp>
       <p:sp>
         <p:nvSpPr>
-          <p:cNvPr id="5" name="Text Placeholder 4"/>
-          <p:cNvSpPr>
-            <a:spLocks noGrp="1"/>
-          </p:cNvSpPr>
-          <p:nvPr>
-            <p:ph type="body" idx="1"/>
-          </p:nvPr>
-        </p:nvSpPr>
-        <p:spPr/>
-        <p:txBody>
-          <a:bodyPr/>
+          <p:cNvPr id="8" name="TextBox 7">
+            <a:extLst>
+              <a:ext uri="{FF2B5EF4-FFF2-40B4-BE49-F238E27FC236}">
+                <a16:creationId xmlns:a16="http://schemas.microsoft.com/office/drawing/2014/main" id="{4282C516-C99D-4B74-B8C8-4CDACFB04C9E}"/>
+              </a:ext>
+            </a:extLst>
+          </p:cNvPr>
+          <p:cNvSpPr txBox="1"/>
+          <p:nvPr/>
+        </p:nvSpPr>
+        <p:spPr>
+          <a:xfrm>
+            <a:off x="4987304" y="2291152"/>
+            <a:ext cx="1358962" cy="984885"/>
+          </a:xfrm>
+          <a:prstGeom prst="rect">
+            <a:avLst/>
+          </a:prstGeom>
+        </p:spPr>
+        <p:style>
+          <a:lnRef idx="1">
+            <a:schemeClr val="accent4"/>
+          </a:lnRef>
+          <a:fillRef idx="2">
+            <a:schemeClr val="accent4"/>
+          </a:fillRef>
+          <a:effectRef idx="1">
+            <a:schemeClr val="accent4"/>
+          </a:effectRef>
+          <a:fontRef idx="minor">
+            <a:schemeClr val="dk1"/>
+          </a:fontRef>
+        </p:style>
+        <p:txBody>
+          <a:bodyPr wrap="none" rtlCol="0">
+            <a:spAutoFit/>
+          </a:bodyPr>
           <a:lstStyle/>
           <a:p>
             <a:r>
-              <a:rPr lang="en-US"/>
-              <a:t>Product A</a:t>
-            </a:r>
-            <a:endParaRPr lang="en-US" dirty="0"/>
-          </a:p>
-        </p:txBody>
-      </p:sp>
-      <p:sp>
-        <p:nvSpPr>
-          <p:cNvPr id="6" name="Content Placeholder 5"/>
-          <p:cNvSpPr>
-            <a:spLocks noGrp="1"/>
-          </p:cNvSpPr>
-          <p:nvPr>
-            <p:ph sz="half" idx="2"/>
-          </p:nvPr>
-        </p:nvSpPr>
-        <p:spPr/>
-        <p:txBody>
-          <a:bodyPr/>
+              <a:rPr lang="en-US" sz="1400" dirty="0"/>
+              <a:t>Implementation</a:t>
+            </a:r>
+            <a:br>
+              <a:rPr lang="en-US" sz="1400" dirty="0"/>
+            </a:br>
+            <a:r>
+              <a:rPr lang="en-US" sz="1100" u="sng" dirty="0"/>
+              <a:t>Tools: </a:t>
+            </a:r>
+            <a:br>
+              <a:rPr lang="en-US" sz="1100" u="sng" dirty="0"/>
+            </a:br>
+            <a:r>
+              <a:rPr lang="en-US" sz="1100" dirty="0"/>
+              <a:t>- Android Studio</a:t>
+            </a:r>
+            <a:br>
+              <a:rPr lang="en-US" sz="1100" dirty="0"/>
+            </a:br>
+            <a:r>
+              <a:rPr lang="en-US" sz="1100" dirty="0"/>
+              <a:t>- </a:t>
+            </a:r>
+            <a:r>
+              <a:rPr lang="en-US" sz="1100" dirty="0" err="1"/>
+              <a:t>Github</a:t>
+            </a:r>
+            <a:br>
+              <a:rPr lang="en-US" sz="1100" dirty="0"/>
+            </a:br>
+            <a:r>
+              <a:rPr lang="en-US" sz="1100" dirty="0"/>
+              <a:t>- Google Hangout</a:t>
+            </a:r>
+            <a:endParaRPr lang="en-US" sz="1400" dirty="0"/>
+          </a:p>
+        </p:txBody>
+      </p:sp>
+      <p:sp>
+        <p:nvSpPr>
+          <p:cNvPr id="9" name="TextBox 8">
+            <a:extLst>
+              <a:ext uri="{FF2B5EF4-FFF2-40B4-BE49-F238E27FC236}">
+                <a16:creationId xmlns:a16="http://schemas.microsoft.com/office/drawing/2014/main" id="{7C65F776-D554-4AFF-ABA9-F4371D473115}"/>
+              </a:ext>
+            </a:extLst>
+          </p:cNvPr>
+          <p:cNvSpPr txBox="1"/>
+          <p:nvPr/>
+        </p:nvSpPr>
+        <p:spPr>
+          <a:xfrm>
+            <a:off x="6557165" y="2458702"/>
+            <a:ext cx="1186543" cy="646331"/>
+          </a:xfrm>
+          <a:prstGeom prst="rect">
+            <a:avLst/>
+          </a:prstGeom>
+        </p:spPr>
+        <p:style>
+          <a:lnRef idx="1">
+            <a:schemeClr val="accent2"/>
+          </a:lnRef>
+          <a:fillRef idx="2">
+            <a:schemeClr val="accent2"/>
+          </a:fillRef>
+          <a:effectRef idx="1">
+            <a:schemeClr val="accent2"/>
+          </a:effectRef>
+          <a:fontRef idx="minor">
+            <a:schemeClr val="dk1"/>
+          </a:fontRef>
+        </p:style>
+        <p:txBody>
+          <a:bodyPr wrap="none" rtlCol="0">
+            <a:spAutoFit/>
+          </a:bodyPr>
           <a:lstStyle/>
           <a:p>
             <a:r>
-              <a:rPr lang="en-US"/>
-              <a:t>Feature 1</a:t>
-            </a:r>
-          </a:p>
-          <a:p>
-            <a:r>
-              <a:rPr lang="en-US"/>
-              <a:t>Feature 2</a:t>
-            </a:r>
-          </a:p>
-          <a:p>
-            <a:r>
-              <a:rPr lang="en-US"/>
-              <a:t>Feature 3</a:t>
-            </a:r>
-            <a:endParaRPr lang="en-US" dirty="0"/>
-          </a:p>
-        </p:txBody>
-      </p:sp>
-      <p:sp>
-        <p:nvSpPr>
-          <p:cNvPr id="7" name="Text Placeholder 6"/>
-          <p:cNvSpPr>
-            <a:spLocks noGrp="1"/>
-          </p:cNvSpPr>
-          <p:nvPr>
-            <p:ph type="body" sz="quarter" idx="3"/>
-          </p:nvPr>
-        </p:nvSpPr>
-        <p:spPr/>
-        <p:txBody>
-          <a:bodyPr/>
+              <a:rPr lang="en-US" sz="1400" dirty="0"/>
+              <a:t>Testing</a:t>
+            </a:r>
+            <a:br>
+              <a:rPr lang="en-US" sz="1400" dirty="0"/>
+            </a:br>
+            <a:r>
+              <a:rPr lang="en-US" sz="1100" u="sng" dirty="0"/>
+              <a:t>Tools: </a:t>
+            </a:r>
+            <a:br>
+              <a:rPr lang="en-US" sz="1100" u="sng" dirty="0"/>
+            </a:br>
+            <a:r>
+              <a:rPr lang="en-US" sz="1100" dirty="0"/>
+              <a:t>- Google Hangout</a:t>
+            </a:r>
+            <a:endParaRPr lang="en-US" sz="1400" dirty="0"/>
+          </a:p>
+        </p:txBody>
+      </p:sp>
+      <p:sp>
+        <p:nvSpPr>
+          <p:cNvPr id="10" name="TextBox 9">
+            <a:extLst>
+              <a:ext uri="{FF2B5EF4-FFF2-40B4-BE49-F238E27FC236}">
+                <a16:creationId xmlns:a16="http://schemas.microsoft.com/office/drawing/2014/main" id="{B1B3CC98-1855-4203-860A-E44C70DEAC41}"/>
+              </a:ext>
+            </a:extLst>
+          </p:cNvPr>
+          <p:cNvSpPr txBox="1"/>
+          <p:nvPr/>
+        </p:nvSpPr>
+        <p:spPr>
+          <a:xfrm>
+            <a:off x="7950432" y="2627978"/>
+            <a:ext cx="1082925" cy="307777"/>
+          </a:xfrm>
+          <a:prstGeom prst="rect">
+            <a:avLst/>
+          </a:prstGeom>
+        </p:spPr>
+        <p:style>
+          <a:lnRef idx="1">
+            <a:schemeClr val="accent1"/>
+          </a:lnRef>
+          <a:fillRef idx="2">
+            <a:schemeClr val="accent1"/>
+          </a:fillRef>
+          <a:effectRef idx="1">
+            <a:schemeClr val="accent1"/>
+          </a:effectRef>
+          <a:fontRef idx="minor">
+            <a:schemeClr val="dk1"/>
+          </a:fontRef>
+        </p:style>
+        <p:txBody>
+          <a:bodyPr wrap="none" rtlCol="0">
+            <a:spAutoFit/>
+          </a:bodyPr>
           <a:lstStyle/>
           <a:p>
             <a:r>
-              <a:rPr lang="en-US"/>
-              <a:t>Product B</a:t>
-            </a:r>
-          </a:p>
-        </p:txBody>
-      </p:sp>
-      <p:sp>
-        <p:nvSpPr>
-          <p:cNvPr id="8" name="Content Placeholder 7"/>
-          <p:cNvSpPr>
-            <a:spLocks noGrp="1"/>
-          </p:cNvSpPr>
-          <p:nvPr>
-            <p:ph sz="quarter" idx="4"/>
-          </p:nvPr>
-        </p:nvSpPr>
-        <p:spPr/>
-        <p:txBody>
-          <a:bodyPr/>
+              <a:rPr lang="en-US" sz="1400" dirty="0"/>
+              <a:t>Deployment</a:t>
+            </a:r>
+          </a:p>
+        </p:txBody>
+      </p:sp>
+      <p:sp>
+        <p:nvSpPr>
+          <p:cNvPr id="11" name="TextBox 10">
+            <a:extLst>
+              <a:ext uri="{FF2B5EF4-FFF2-40B4-BE49-F238E27FC236}">
+                <a16:creationId xmlns:a16="http://schemas.microsoft.com/office/drawing/2014/main" id="{2138EB4A-145B-4E31-A74D-6886409113AB}"/>
+              </a:ext>
+            </a:extLst>
+          </p:cNvPr>
+          <p:cNvSpPr txBox="1"/>
+          <p:nvPr/>
+        </p:nvSpPr>
+        <p:spPr>
+          <a:xfrm>
+            <a:off x="98557" y="2374927"/>
+            <a:ext cx="1186543" cy="815608"/>
+          </a:xfrm>
+          <a:prstGeom prst="rect">
+            <a:avLst/>
+          </a:prstGeom>
+        </p:spPr>
+        <p:style>
+          <a:lnRef idx="1">
+            <a:schemeClr val="accent3"/>
+          </a:lnRef>
+          <a:fillRef idx="2">
+            <a:schemeClr val="accent3"/>
+          </a:fillRef>
+          <a:effectRef idx="1">
+            <a:schemeClr val="accent3"/>
+          </a:effectRef>
+          <a:fontRef idx="minor">
+            <a:schemeClr val="dk1"/>
+          </a:fontRef>
+        </p:style>
+        <p:txBody>
+          <a:bodyPr wrap="none" rtlCol="0">
+            <a:spAutoFit/>
+          </a:bodyPr>
           <a:lstStyle/>
           <a:p>
             <a:r>
-              <a:rPr lang="en-US"/>
-              <a:t>Feature 1</a:t>
-            </a:r>
-          </a:p>
-          <a:p>
-            <a:r>
-              <a:rPr lang="en-US"/>
-              <a:t>Feature 2</a:t>
-            </a:r>
-          </a:p>
-          <a:p>
-            <a:r>
-              <a:rPr lang="en-US"/>
-              <a:t>Feature 3</a:t>
-            </a:r>
-          </a:p>
-        </p:txBody>
-      </p:sp>
+              <a:rPr lang="en-US" sz="1400" dirty="0"/>
+              <a:t>Planning</a:t>
+            </a:r>
+            <a:br>
+              <a:rPr lang="en-US" sz="1400" dirty="0"/>
+            </a:br>
+            <a:r>
+              <a:rPr lang="en-US" sz="1100" u="sng" dirty="0"/>
+              <a:t>Tools:</a:t>
+            </a:r>
+            <a:br>
+              <a:rPr lang="en-US" sz="1100" dirty="0"/>
+            </a:br>
+            <a:r>
+              <a:rPr lang="en-US" sz="1100" dirty="0"/>
+              <a:t>- Google Docs</a:t>
+            </a:r>
+            <a:br>
+              <a:rPr lang="en-US" sz="1100" dirty="0"/>
+            </a:br>
+            <a:r>
+              <a:rPr lang="en-US" sz="1100" dirty="0"/>
+              <a:t>- Google Hangout</a:t>
+            </a:r>
+            <a:endParaRPr lang="en-US" sz="1400" dirty="0"/>
+          </a:p>
+        </p:txBody>
+      </p:sp>
+      <p:cxnSp>
+        <p:nvCxnSpPr>
+          <p:cNvPr id="15" name="Straight Arrow Connector 14">
+            <a:extLst>
+              <a:ext uri="{FF2B5EF4-FFF2-40B4-BE49-F238E27FC236}">
+                <a16:creationId xmlns:a16="http://schemas.microsoft.com/office/drawing/2014/main" id="{444B6C57-2944-41DB-93A6-963A5E542B34}"/>
+              </a:ext>
+            </a:extLst>
+          </p:cNvPr>
+          <p:cNvCxnSpPr>
+            <a:cxnSpLocks/>
+            <a:stCxn id="11" idx="3"/>
+            <a:endCxn id="4" idx="1"/>
+          </p:cNvCxnSpPr>
+          <p:nvPr/>
+        </p:nvCxnSpPr>
+        <p:spPr>
+          <a:xfrm flipV="1">
+            <a:off x="1285100" y="2781866"/>
+            <a:ext cx="186225" cy="865"/>
+          </a:xfrm>
+          <a:prstGeom prst="straightConnector1">
+            <a:avLst/>
+          </a:prstGeom>
+          <a:ln>
+            <a:solidFill>
+              <a:schemeClr val="bg1"/>
+            </a:solidFill>
+            <a:tailEnd type="triangle"/>
+          </a:ln>
+        </p:spPr>
+        <p:style>
+          <a:lnRef idx="3">
+            <a:schemeClr val="dk1"/>
+          </a:lnRef>
+          <a:fillRef idx="0">
+            <a:schemeClr val="dk1"/>
+          </a:fillRef>
+          <a:effectRef idx="2">
+            <a:schemeClr val="dk1"/>
+          </a:effectRef>
+          <a:fontRef idx="minor">
+            <a:schemeClr val="tx1"/>
+          </a:fontRef>
+        </p:style>
+      </p:cxnSp>
+      <p:cxnSp>
+        <p:nvCxnSpPr>
+          <p:cNvPr id="20" name="Straight Arrow Connector 19">
+            <a:extLst>
+              <a:ext uri="{FF2B5EF4-FFF2-40B4-BE49-F238E27FC236}">
+                <a16:creationId xmlns:a16="http://schemas.microsoft.com/office/drawing/2014/main" id="{3169C5BE-31F1-414D-9D06-F9944649F8F9}"/>
+              </a:ext>
+            </a:extLst>
+          </p:cNvPr>
+          <p:cNvCxnSpPr>
+            <a:cxnSpLocks/>
+            <a:stCxn id="4" idx="3"/>
+            <a:endCxn id="5" idx="1"/>
+          </p:cNvCxnSpPr>
+          <p:nvPr/>
+        </p:nvCxnSpPr>
+        <p:spPr>
+          <a:xfrm>
+            <a:off x="2739540" y="2781866"/>
+            <a:ext cx="186225" cy="3"/>
+          </a:xfrm>
+          <a:prstGeom prst="straightConnector1">
+            <a:avLst/>
+          </a:prstGeom>
+          <a:ln>
+            <a:solidFill>
+              <a:schemeClr val="bg1"/>
+            </a:solidFill>
+            <a:tailEnd type="triangle"/>
+          </a:ln>
+        </p:spPr>
+        <p:style>
+          <a:lnRef idx="3">
+            <a:schemeClr val="dk1"/>
+          </a:lnRef>
+          <a:fillRef idx="0">
+            <a:schemeClr val="dk1"/>
+          </a:fillRef>
+          <a:effectRef idx="2">
+            <a:schemeClr val="dk1"/>
+          </a:effectRef>
+          <a:fontRef idx="minor">
+            <a:schemeClr val="tx1"/>
+          </a:fontRef>
+        </p:style>
+      </p:cxnSp>
+      <p:cxnSp>
+        <p:nvCxnSpPr>
+          <p:cNvPr id="26" name="Straight Arrow Connector 25">
+            <a:extLst>
+              <a:ext uri="{FF2B5EF4-FFF2-40B4-BE49-F238E27FC236}">
+                <a16:creationId xmlns:a16="http://schemas.microsoft.com/office/drawing/2014/main" id="{E570206C-A9A9-4EA9-970D-D8EDD552B203}"/>
+              </a:ext>
+            </a:extLst>
+          </p:cNvPr>
+          <p:cNvCxnSpPr>
+            <a:cxnSpLocks/>
+            <a:stCxn id="5" idx="3"/>
+            <a:endCxn id="8" idx="1"/>
+          </p:cNvCxnSpPr>
+          <p:nvPr/>
+        </p:nvCxnSpPr>
+        <p:spPr>
+          <a:xfrm>
+            <a:off x="4758226" y="2781869"/>
+            <a:ext cx="229078" cy="1726"/>
+          </a:xfrm>
+          <a:prstGeom prst="straightConnector1">
+            <a:avLst/>
+          </a:prstGeom>
+          <a:ln>
+            <a:solidFill>
+              <a:schemeClr val="bg1"/>
+            </a:solidFill>
+            <a:tailEnd type="triangle"/>
+          </a:ln>
+        </p:spPr>
+        <p:style>
+          <a:lnRef idx="3">
+            <a:schemeClr val="dk1"/>
+          </a:lnRef>
+          <a:fillRef idx="0">
+            <a:schemeClr val="dk1"/>
+          </a:fillRef>
+          <a:effectRef idx="2">
+            <a:schemeClr val="dk1"/>
+          </a:effectRef>
+          <a:fontRef idx="minor">
+            <a:schemeClr val="tx1"/>
+          </a:fontRef>
+        </p:style>
+      </p:cxnSp>
+      <p:cxnSp>
+        <p:nvCxnSpPr>
+          <p:cNvPr id="32" name="Straight Arrow Connector 31">
+            <a:extLst>
+              <a:ext uri="{FF2B5EF4-FFF2-40B4-BE49-F238E27FC236}">
+                <a16:creationId xmlns:a16="http://schemas.microsoft.com/office/drawing/2014/main" id="{694DA044-75FE-4A7B-A6C0-94583A764ED6}"/>
+              </a:ext>
+            </a:extLst>
+          </p:cNvPr>
+          <p:cNvCxnSpPr>
+            <a:cxnSpLocks/>
+            <a:stCxn id="8" idx="3"/>
+            <a:endCxn id="9" idx="1"/>
+          </p:cNvCxnSpPr>
+          <p:nvPr/>
+        </p:nvCxnSpPr>
+        <p:spPr>
+          <a:xfrm flipV="1">
+            <a:off x="6346266" y="2781868"/>
+            <a:ext cx="210899" cy="1727"/>
+          </a:xfrm>
+          <a:prstGeom prst="straightConnector1">
+            <a:avLst/>
+          </a:prstGeom>
+          <a:ln>
+            <a:solidFill>
+              <a:schemeClr val="bg1"/>
+            </a:solidFill>
+            <a:tailEnd type="triangle"/>
+          </a:ln>
+        </p:spPr>
+        <p:style>
+          <a:lnRef idx="3">
+            <a:schemeClr val="dk1"/>
+          </a:lnRef>
+          <a:fillRef idx="0">
+            <a:schemeClr val="dk1"/>
+          </a:fillRef>
+          <a:effectRef idx="2">
+            <a:schemeClr val="dk1"/>
+          </a:effectRef>
+          <a:fontRef idx="minor">
+            <a:schemeClr val="tx1"/>
+          </a:fontRef>
+        </p:style>
+      </p:cxnSp>
+      <p:cxnSp>
+        <p:nvCxnSpPr>
+          <p:cNvPr id="35" name="Straight Arrow Connector 34">
+            <a:extLst>
+              <a:ext uri="{FF2B5EF4-FFF2-40B4-BE49-F238E27FC236}">
+                <a16:creationId xmlns:a16="http://schemas.microsoft.com/office/drawing/2014/main" id="{29BA1741-681F-4ADC-8EA9-1CD2AC77ABA2}"/>
+              </a:ext>
+            </a:extLst>
+          </p:cNvPr>
+          <p:cNvCxnSpPr>
+            <a:cxnSpLocks/>
+            <a:stCxn id="9" idx="3"/>
+            <a:endCxn id="10" idx="1"/>
+          </p:cNvCxnSpPr>
+          <p:nvPr/>
+        </p:nvCxnSpPr>
+        <p:spPr>
+          <a:xfrm flipV="1">
+            <a:off x="7743708" y="2781867"/>
+            <a:ext cx="206724" cy="1"/>
+          </a:xfrm>
+          <a:prstGeom prst="straightConnector1">
+            <a:avLst/>
+          </a:prstGeom>
+          <a:ln>
+            <a:solidFill>
+              <a:schemeClr val="bg1"/>
+            </a:solidFill>
+            <a:tailEnd type="triangle"/>
+          </a:ln>
+        </p:spPr>
+        <p:style>
+          <a:lnRef idx="3">
+            <a:schemeClr val="dk1"/>
+          </a:lnRef>
+          <a:fillRef idx="0">
+            <a:schemeClr val="dk1"/>
+          </a:fillRef>
+          <a:effectRef idx="2">
+            <a:schemeClr val="dk1"/>
+          </a:effectRef>
+          <a:fontRef idx="minor">
+            <a:schemeClr val="tx1"/>
+          </a:fontRef>
+        </p:style>
+      </p:cxnSp>
+      <p:cxnSp>
+        <p:nvCxnSpPr>
+          <p:cNvPr id="136" name="Connector: Elbow 135">
+            <a:extLst>
+              <a:ext uri="{FF2B5EF4-FFF2-40B4-BE49-F238E27FC236}">
+                <a16:creationId xmlns:a16="http://schemas.microsoft.com/office/drawing/2014/main" id="{5E2807F3-CFDD-4432-A967-740C5574806E}"/>
+              </a:ext>
+            </a:extLst>
+          </p:cNvPr>
+          <p:cNvCxnSpPr>
+            <a:cxnSpLocks/>
+            <a:stCxn id="9" idx="2"/>
+            <a:endCxn id="8" idx="2"/>
+          </p:cNvCxnSpPr>
+          <p:nvPr/>
+        </p:nvCxnSpPr>
+        <p:spPr>
+          <a:xfrm rot="5400000">
+            <a:off x="6323109" y="2448709"/>
+            <a:ext cx="171004" cy="1483652"/>
+          </a:xfrm>
+          <a:prstGeom prst="bentConnector3">
+            <a:avLst>
+              <a:gd name="adj1" fmla="val 233681"/>
+            </a:avLst>
+          </a:prstGeom>
+          <a:ln>
+            <a:solidFill>
+              <a:schemeClr val="bg1"/>
+            </a:solidFill>
+            <a:tailEnd type="triangle"/>
+          </a:ln>
+        </p:spPr>
+        <p:style>
+          <a:lnRef idx="3">
+            <a:schemeClr val="accent5"/>
+          </a:lnRef>
+          <a:fillRef idx="0">
+            <a:schemeClr val="accent5"/>
+          </a:fillRef>
+          <a:effectRef idx="2">
+            <a:schemeClr val="accent5"/>
+          </a:effectRef>
+          <a:fontRef idx="minor">
+            <a:schemeClr val="tx1"/>
+          </a:fontRef>
+        </p:style>
+      </p:cxnSp>
     </p:spTree>
     <p:extLst>
       <p:ext uri="{BB962C8B-B14F-4D97-AF65-F5344CB8AC3E}">
-        <p14:creationId xmlns:p14="http://schemas.microsoft.com/office/powerpoint/2010/main" val="4170783713"/>
+        <p14:creationId xmlns:p14="http://schemas.microsoft.com/office/powerpoint/2010/main" val="265117497"/>
       </p:ext>
     </p:extLst>
   </p:cSld>
@@ -4617,53 +5404,334 @@
           <a:chExt cx="0" cy="0"/>
         </a:xfrm>
       </p:grpSpPr>
+      <p:sp>
+        <p:nvSpPr>
+          <p:cNvPr id="4" name="Title 3"/>
+          <p:cNvSpPr>
+            <a:spLocks noGrp="1"/>
+          </p:cNvSpPr>
+          <p:nvPr>
+            <p:ph type="title"/>
+          </p:nvPr>
+        </p:nvSpPr>
+        <p:spPr>
+          <a:xfrm>
+            <a:off x="525317" y="1044700"/>
+            <a:ext cx="8093365" cy="610820"/>
+          </a:xfrm>
+        </p:spPr>
+        <p:txBody>
+          <a:bodyPr>
+            <a:normAutofit fontScale="90000"/>
+          </a:bodyPr>
+          <a:lstStyle/>
+          <a:p>
+            <a:r>
+              <a:rPr lang="en-US"/>
+              <a:t>User Interface As Designed</a:t>
+            </a:r>
+            <a:endParaRPr lang="en-US" dirty="0"/>
+          </a:p>
+        </p:txBody>
+      </p:sp>
       <p:pic>
         <p:nvPicPr>
-          <p:cNvPr id="3" name="Picture 2" descr="E:\websites\free-power-point-templates\2012\logos.png"/>
+          <p:cNvPr id="17" name="Picture 16">
+            <a:extLst>
+              <a:ext uri="{FF2B5EF4-FFF2-40B4-BE49-F238E27FC236}">
+                <a16:creationId xmlns:a16="http://schemas.microsoft.com/office/drawing/2014/main" id="{D715D9AA-077C-466E-813F-FD211A0F1099}"/>
+              </a:ext>
+            </a:extLst>
+          </p:cNvPr>
           <p:cNvPicPr>
-            <a:picLocks noChangeAspect="1" noChangeArrowheads="1"/>
+            <a:picLocks noChangeAspect="1"/>
           </p:cNvPicPr>
           <p:nvPr/>
         </p:nvPicPr>
         <p:blipFill>
-          <a:blip r:embed="rId3">
-            <a:extLst>
-              <a:ext uri="{28A0092B-C50C-407E-A947-70E740481C1C}">
-                <a14:useLocalDpi xmlns:a14="http://schemas.microsoft.com/office/drawing/2010/main" val="0"/>
-              </a:ext>
-            </a:extLst>
-          </a:blip>
+          <a:blip r:embed="rId2"/>
           <a:stretch>
             <a:fillRect/>
           </a:stretch>
         </p:blipFill>
-        <p:spPr bwMode="auto">
-          <a:xfrm>
-            <a:off x="3918306" y="2326213"/>
-            <a:ext cx="1463784" cy="526961"/>
+        <p:spPr>
+          <a:xfrm>
+            <a:off x="2825881" y="1656585"/>
+            <a:ext cx="1714500" cy="3048000"/>
           </a:xfrm>
           <a:prstGeom prst="rect">
             <a:avLst/>
           </a:prstGeom>
-          <a:noFill/>
-          <a:ln>
-            <a:noFill/>
-          </a:ln>
-          <a:extLst>
-            <a:ext uri="{909E8E84-426E-40DD-AFC4-6F175D3DCCD1}">
-              <a14:hiddenFill xmlns:a14="http://schemas.microsoft.com/office/drawing/2010/main">
-                <a:solidFill>
-                  <a:srgbClr val="FFFFFF"/>
-                </a:solidFill>
-              </a14:hiddenFill>
-            </a:ext>
-          </a:extLst>
+        </p:spPr>
+      </p:pic>
+      <p:pic>
+        <p:nvPicPr>
+          <p:cNvPr id="19" name="Picture 18">
+            <a:extLst>
+              <a:ext uri="{FF2B5EF4-FFF2-40B4-BE49-F238E27FC236}">
+                <a16:creationId xmlns:a16="http://schemas.microsoft.com/office/drawing/2014/main" id="{C618E1D8-9103-425B-B190-4F5421558469}"/>
+              </a:ext>
+            </a:extLst>
+          </p:cNvPr>
+          <p:cNvPicPr>
+            <a:picLocks noChangeAspect="1"/>
+          </p:cNvPicPr>
+          <p:nvPr/>
+        </p:nvPicPr>
+        <p:blipFill>
+          <a:blip r:embed="rId3"/>
+          <a:stretch>
+            <a:fillRect/>
+          </a:stretch>
+        </p:blipFill>
+        <p:spPr>
+          <a:xfrm>
+            <a:off x="908610" y="1656585"/>
+            <a:ext cx="1714500" cy="3048000"/>
+          </a:xfrm>
+          <a:prstGeom prst="rect">
+            <a:avLst/>
+          </a:prstGeom>
+        </p:spPr>
+      </p:pic>
+      <p:pic>
+        <p:nvPicPr>
+          <p:cNvPr id="29" name="Picture 28">
+            <a:extLst>
+              <a:ext uri="{FF2B5EF4-FFF2-40B4-BE49-F238E27FC236}">
+                <a16:creationId xmlns:a16="http://schemas.microsoft.com/office/drawing/2014/main" id="{27EF780C-9C66-4641-A75A-61C669E17136}"/>
+              </a:ext>
+            </a:extLst>
+          </p:cNvPr>
+          <p:cNvPicPr>
+            <a:picLocks noChangeAspect="1"/>
+          </p:cNvPicPr>
+          <p:nvPr/>
+        </p:nvPicPr>
+        <p:blipFill>
+          <a:blip r:embed="rId4"/>
+          <a:stretch>
+            <a:fillRect/>
+          </a:stretch>
+        </p:blipFill>
+        <p:spPr>
+          <a:xfrm>
+            <a:off x="4724705" y="1655520"/>
+            <a:ext cx="1714500" cy="3048000"/>
+          </a:xfrm>
+          <a:prstGeom prst="rect">
+            <a:avLst/>
+          </a:prstGeom>
+        </p:spPr>
+      </p:pic>
+      <p:pic>
+        <p:nvPicPr>
+          <p:cNvPr id="31" name="Picture 30">
+            <a:extLst>
+              <a:ext uri="{FF2B5EF4-FFF2-40B4-BE49-F238E27FC236}">
+                <a16:creationId xmlns:a16="http://schemas.microsoft.com/office/drawing/2014/main" id="{8F98A7A7-DA37-4B37-9C2E-D1829847DCB5}"/>
+              </a:ext>
+            </a:extLst>
+          </p:cNvPr>
+          <p:cNvPicPr>
+            <a:picLocks noChangeAspect="1"/>
+          </p:cNvPicPr>
+          <p:nvPr/>
+        </p:nvPicPr>
+        <p:blipFill>
+          <a:blip r:embed="rId5"/>
+          <a:stretch>
+            <a:fillRect/>
+          </a:stretch>
+        </p:blipFill>
+        <p:spPr>
+          <a:xfrm>
+            <a:off x="6628404" y="1655520"/>
+            <a:ext cx="1714500" cy="3048000"/>
+          </a:xfrm>
+          <a:prstGeom prst="rect">
+            <a:avLst/>
+          </a:prstGeom>
         </p:spPr>
       </p:pic>
     </p:spTree>
     <p:extLst>
       <p:ext uri="{BB962C8B-B14F-4D97-AF65-F5344CB8AC3E}">
-        <p14:creationId xmlns:p14="http://schemas.microsoft.com/office/powerpoint/2010/main" val="109100692"/>
+        <p14:creationId xmlns:p14="http://schemas.microsoft.com/office/powerpoint/2010/main" val="4170783713"/>
+      </p:ext>
+    </p:extLst>
+  </p:cSld>
+  <p:clrMapOvr>
+    <a:masterClrMapping/>
+  </p:clrMapOvr>
+</p:sld>
+</file>
+
+<file path=ppt/slides/slide6.xml><?xml version="1.0" encoding="utf-8"?>
+<p:sld xmlns:a="http://schemas.openxmlformats.org/drawingml/2006/main" xmlns:r="http://schemas.openxmlformats.org/officeDocument/2006/relationships" xmlns:p="http://schemas.openxmlformats.org/presentationml/2006/main">
+  <p:cSld>
+    <p:spTree>
+      <p:nvGrpSpPr>
+        <p:cNvPr id="1" name=""/>
+        <p:cNvGrpSpPr/>
+        <p:nvPr/>
+      </p:nvGrpSpPr>
+      <p:grpSpPr>
+        <a:xfrm>
+          <a:off x="0" y="0"/>
+          <a:ext cx="0" cy="0"/>
+          <a:chOff x="0" y="0"/>
+          <a:chExt cx="0" cy="0"/>
+        </a:xfrm>
+      </p:grpSpPr>
+      <p:sp>
+        <p:nvSpPr>
+          <p:cNvPr id="4" name="Title 3"/>
+          <p:cNvSpPr>
+            <a:spLocks noGrp="1"/>
+          </p:cNvSpPr>
+          <p:nvPr>
+            <p:ph type="title"/>
+          </p:nvPr>
+        </p:nvSpPr>
+        <p:spPr/>
+        <p:txBody>
+          <a:bodyPr>
+            <a:normAutofit fontScale="90000"/>
+          </a:bodyPr>
+          <a:lstStyle/>
+          <a:p>
+            <a:r>
+              <a:rPr lang="en-US" dirty="0"/>
+              <a:t>Final Deliverable</a:t>
+            </a:r>
+          </a:p>
+        </p:txBody>
+      </p:sp>
+      <p:pic>
+        <p:nvPicPr>
+          <p:cNvPr id="15" name="Picture 14">
+            <a:extLst>
+              <a:ext uri="{FF2B5EF4-FFF2-40B4-BE49-F238E27FC236}">
+                <a16:creationId xmlns:a16="http://schemas.microsoft.com/office/drawing/2014/main" id="{F4DC2E70-CF38-4DD7-815D-6B0C8CD39F36}"/>
+              </a:ext>
+            </a:extLst>
+          </p:cNvPr>
+          <p:cNvPicPr>
+            <a:picLocks noChangeAspect="1"/>
+          </p:cNvPicPr>
+          <p:nvPr/>
+        </p:nvPicPr>
+        <p:blipFill>
+          <a:blip r:embed="rId2"/>
+          <a:stretch>
+            <a:fillRect/>
+          </a:stretch>
+        </p:blipFill>
+        <p:spPr>
+          <a:xfrm>
+            <a:off x="893733" y="1700400"/>
+            <a:ext cx="1733758" cy="3044952"/>
+          </a:xfrm>
+          <a:prstGeom prst="rect">
+            <a:avLst/>
+          </a:prstGeom>
+        </p:spPr>
+      </p:pic>
+      <p:pic>
+        <p:nvPicPr>
+          <p:cNvPr id="19" name="Picture 18">
+            <a:extLst>
+              <a:ext uri="{FF2B5EF4-FFF2-40B4-BE49-F238E27FC236}">
+                <a16:creationId xmlns:a16="http://schemas.microsoft.com/office/drawing/2014/main" id="{2A2A9BE3-96C6-4473-B934-2B218057A9FF}"/>
+              </a:ext>
+            </a:extLst>
+          </p:cNvPr>
+          <p:cNvPicPr>
+            <a:picLocks noChangeAspect="1"/>
+          </p:cNvPicPr>
+          <p:nvPr/>
+        </p:nvPicPr>
+        <p:blipFill>
+          <a:blip r:embed="rId3"/>
+          <a:stretch>
+            <a:fillRect/>
+          </a:stretch>
+        </p:blipFill>
+        <p:spPr>
+          <a:xfrm>
+            <a:off x="2791454" y="1700400"/>
+            <a:ext cx="1726711" cy="3044952"/>
+          </a:xfrm>
+          <a:prstGeom prst="rect">
+            <a:avLst/>
+          </a:prstGeom>
+        </p:spPr>
+      </p:pic>
+      <p:pic>
+        <p:nvPicPr>
+          <p:cNvPr id="20" name="Picture 19">
+            <a:extLst>
+              <a:ext uri="{FF2B5EF4-FFF2-40B4-BE49-F238E27FC236}">
+                <a16:creationId xmlns:a16="http://schemas.microsoft.com/office/drawing/2014/main" id="{1154D8A1-6CFB-4508-9961-A4F7604EF48C}"/>
+              </a:ext>
+            </a:extLst>
+          </p:cNvPr>
+          <p:cNvPicPr>
+            <a:picLocks noChangeAspect="1"/>
+          </p:cNvPicPr>
+          <p:nvPr/>
+        </p:nvPicPr>
+        <p:blipFill>
+          <a:blip r:embed="rId4"/>
+          <a:stretch>
+            <a:fillRect/>
+          </a:stretch>
+        </p:blipFill>
+        <p:spPr>
+          <a:xfrm>
+            <a:off x="4670870" y="1700400"/>
+            <a:ext cx="1736429" cy="3044952"/>
+          </a:xfrm>
+          <a:prstGeom prst="rect">
+            <a:avLst/>
+          </a:prstGeom>
+        </p:spPr>
+      </p:pic>
+      <p:pic>
+        <p:nvPicPr>
+          <p:cNvPr id="25" name="Picture 24">
+            <a:extLst>
+              <a:ext uri="{FF2B5EF4-FFF2-40B4-BE49-F238E27FC236}">
+                <a16:creationId xmlns:a16="http://schemas.microsoft.com/office/drawing/2014/main" id="{EB66C8FA-E880-4827-BF1F-41E4FB666718}"/>
+              </a:ext>
+            </a:extLst>
+          </p:cNvPr>
+          <p:cNvPicPr>
+            <a:picLocks noChangeAspect="1"/>
+          </p:cNvPicPr>
+          <p:nvPr/>
+        </p:nvPicPr>
+        <p:blipFill>
+          <a:blip r:embed="rId5"/>
+          <a:stretch>
+            <a:fillRect/>
+          </a:stretch>
+        </p:blipFill>
+        <p:spPr>
+          <a:xfrm>
+            <a:off x="6560004" y="1700400"/>
+            <a:ext cx="1982326" cy="3044952"/>
+          </a:xfrm>
+          <a:prstGeom prst="rect">
+            <a:avLst/>
+          </a:prstGeom>
+        </p:spPr>
+      </p:pic>
+    </p:spTree>
+    <p:extLst>
+      <p:ext uri="{BB962C8B-B14F-4D97-AF65-F5344CB8AC3E}">
+        <p14:creationId xmlns:p14="http://schemas.microsoft.com/office/powerpoint/2010/main" val="2908435579"/>
       </p:ext>
     </p:extLst>
   </p:cSld>

--- a/Word Scramble App - CS6300 Software Development Process.pptx
+++ b/Word Scramble App - CS6300 Software Development Process.pptx
@@ -4213,7 +4213,7 @@
           <a:p>
             <a:r>
               <a:rPr lang="en-US" sz="2000" dirty="0"/>
-              <a:t>Contribution by James:</a:t>
+              <a:t>Personal contribution:</a:t>
             </a:r>
           </a:p>
           <a:p>
